--- a/print/Precal2_17_1.pptx
+++ b/print/Precal2_17_1.pptx
@@ -7879,8 +7879,8 @@
       </p:par>
     </p:tnLst>
     <p:bldLst>
+      <p:bldP build="whole" bldLvl="1" animBg="1" rev="0" advAuto="0" spid="220" grpId="4"/>
       <p:bldP build="whole" bldLvl="1" animBg="1" rev="0" advAuto="0" spid="218" grpId="2"/>
-      <p:bldP build="whole" bldLvl="1" animBg="1" rev="0" advAuto="0" spid="220" grpId="4"/>
       <p:bldP build="whole" bldLvl="1" animBg="1" rev="0" advAuto="0" spid="219" grpId="3"/>
       <p:bldP build="whole" bldLvl="1" animBg="1" rev="0" advAuto="0" spid="217" grpId="1"/>
     </p:bldLst>
